--- a/slides/cis108-6/Slides 3.1 - Data Modelling -ERM ERD and RDM.pptx
+++ b/slides/cis108-6/Slides 3.1 - Data Modelling -ERM ERD and RDM.pptx
@@ -708,7 +708,7 @@
               </a14:hiddenFill>
             </a:ext>
             <a:ext uri="{FAA26D3D-D897-4be2-8F04-BA451C77F1D7}">
-              <ma14:placeholderFlag xmlns="" xmlns:ma14="http://schemas.microsoft.com/office/mac/drawingml/2011/main" val="1"/>
+              <ma14:placeholderFlag xmlns:ma14="http://schemas.microsoft.com/office/mac/drawingml/2011/main" xmlns="" val="1"/>
             </a:ext>
           </a:extLst>
         </p:spPr>
@@ -4157,7 +4157,7 @@
               </a14:hiddenLine>
             </a:ext>
             <a:ext uri="{FAA26D3D-D897-4be2-8F04-BA451C77F1D7}">
-              <ma14:placeholderFlag xmlns="" xmlns:ma14="http://schemas.microsoft.com/office/mac/drawingml/2011/main" val="1"/>
+              <ma14:placeholderFlag xmlns:ma14="http://schemas.microsoft.com/office/mac/drawingml/2011/main" xmlns="" val="1"/>
             </a:ext>
           </a:extLst>
         </p:spPr>
@@ -4246,7 +4246,7 @@
               </a14:hiddenLine>
             </a:ext>
             <a:ext uri="{FAA26D3D-D897-4be2-8F04-BA451C77F1D7}">
-              <ma14:placeholderFlag xmlns="" xmlns:ma14="http://schemas.microsoft.com/office/mac/drawingml/2011/main" val="1"/>
+              <ma14:placeholderFlag xmlns:ma14="http://schemas.microsoft.com/office/mac/drawingml/2011/main" xmlns="" val="1"/>
             </a:ext>
           </a:extLst>
         </p:spPr>
@@ -5216,19 +5216,13 @@
             <a:r>
               <a:rPr lang="en-GB" sz="2000" b="0" i="0" dirty="0">
                 <a:solidFill>
-                  <a:srgbClr val="222222"/>
+                  <a:srgbClr val="C00000"/>
                 </a:solidFill>
                 <a:effectLst/>
                 <a:latin typeface="Source Sans Pro" panose="020B0503030403020204" pitchFamily="34" charset="0"/>
               </a:rPr>
-              <a:t>Customer and Product are two entities. Customer number and name are attributes of the Customer entity</a:t>
-            </a:r>
-          </a:p>
-          <a:p>
-            <a:pPr algn="l">
-              <a:buFont typeface="Arial" panose="020B0604020202020204" pitchFamily="34" charset="0"/>
-              <a:buChar char="•"/>
-            </a:pPr>
+              <a:t>Customer </a:t>
+            </a:r>
             <a:r>
               <a:rPr lang="en-GB" sz="2000" b="0" i="0" dirty="0">
                 <a:solidFill>
@@ -5237,7 +5231,73 @@
                 <a:effectLst/>
                 <a:latin typeface="Source Sans Pro" panose="020B0503030403020204" pitchFamily="34" charset="0"/>
               </a:rPr>
-              <a:t>Product name and price are attributes of product entity</a:t>
+              <a:t>and </a:t>
+            </a:r>
+            <a:r>
+              <a:rPr lang="en-GB" sz="2000" b="0" i="0" dirty="0">
+                <a:solidFill>
+                  <a:srgbClr val="C00000"/>
+                </a:solidFill>
+                <a:effectLst/>
+                <a:latin typeface="Source Sans Pro" panose="020B0503030403020204" pitchFamily="34" charset="0"/>
+              </a:rPr>
+              <a:t>Product</a:t>
+            </a:r>
+            <a:r>
+              <a:rPr lang="en-GB" sz="2000" b="0" i="0" dirty="0">
+                <a:solidFill>
+                  <a:srgbClr val="222222"/>
+                </a:solidFill>
+                <a:effectLst/>
+                <a:latin typeface="Source Sans Pro" panose="020B0503030403020204" pitchFamily="34" charset="0"/>
+              </a:rPr>
+              <a:t> are two entities. </a:t>
+            </a:r>
+            <a:r>
+              <a:rPr lang="en-GB" sz="2000" b="0" i="0" dirty="0">
+                <a:solidFill>
+                  <a:srgbClr val="00B050"/>
+                </a:solidFill>
+                <a:effectLst/>
+                <a:latin typeface="Source Sans Pro" panose="020B0503030403020204" pitchFamily="34" charset="0"/>
+              </a:rPr>
+              <a:t>Customer number and name are attributes </a:t>
+            </a:r>
+            <a:r>
+              <a:rPr lang="en-GB" sz="2000" b="0" i="0" dirty="0">
+                <a:solidFill>
+                  <a:srgbClr val="222222"/>
+                </a:solidFill>
+                <a:effectLst/>
+                <a:latin typeface="Source Sans Pro" panose="020B0503030403020204" pitchFamily="34" charset="0"/>
+              </a:rPr>
+              <a:t>of the Customer entity</a:t>
+            </a:r>
+          </a:p>
+          <a:p>
+            <a:pPr algn="l">
+              <a:buFont typeface="Arial" panose="020B0604020202020204" pitchFamily="34" charset="0"/>
+              <a:buChar char="•"/>
+            </a:pPr>
+            <a:r>
+              <a:rPr lang="en-GB" sz="2000" b="0" i="0" dirty="0">
+                <a:solidFill>
+                  <a:srgbClr val="00B050"/>
+                </a:solidFill>
+                <a:effectLst/>
+                <a:latin typeface="Source Sans Pro" panose="020B0503030403020204" pitchFamily="34" charset="0"/>
+              </a:rPr>
+              <a:t>Product name and price</a:t>
+            </a:r>
+            <a:r>
+              <a:rPr lang="en-GB" sz="2000" b="0" i="0" dirty="0">
+                <a:solidFill>
+                  <a:srgbClr val="222222"/>
+                </a:solidFill>
+                <a:effectLst/>
+                <a:latin typeface="Source Sans Pro" panose="020B0503030403020204" pitchFamily="34" charset="0"/>
+              </a:rPr>
+              <a:t> are attributes of product entity</a:t>
             </a:r>
           </a:p>
           <a:p>
@@ -5418,7 +5478,31 @@
             </a:r>
             <a:r>
               <a:rPr lang="en-GB" dirty="0"/>
-              <a:t>is used to define the structure of data elements and to set relationship details (such as constraints) between them. </a:t>
+              <a:t>is used to define the </a:t>
+            </a:r>
+            <a:r>
+              <a:rPr lang="en-GB" dirty="0">
+                <a:solidFill>
+                  <a:srgbClr val="00B050"/>
+                </a:solidFill>
+              </a:rPr>
+              <a:t>structure of data elements </a:t>
+            </a:r>
+            <a:r>
+              <a:rPr lang="en-GB" dirty="0"/>
+              <a:t>and to </a:t>
+            </a:r>
+            <a:r>
+              <a:rPr lang="en-GB" dirty="0">
+                <a:solidFill>
+                  <a:srgbClr val="00B050"/>
+                </a:solidFill>
+              </a:rPr>
+              <a:t>set relationship details </a:t>
+            </a:r>
+            <a:r>
+              <a:rPr lang="en-GB" dirty="0"/>
+              <a:t>(such as constraints) between them. </a:t>
             </a:r>
           </a:p>
           <a:p>
@@ -5611,7 +5695,7 @@
         <p:spPr>
           <a:xfrm>
             <a:off x="789148" y="1776788"/>
-            <a:ext cx="7893771" cy="1631216"/>
+            <a:ext cx="7893771" cy="2062103"/>
           </a:xfrm>
           <a:prstGeom prst="rect">
             <a:avLst/>
@@ -5650,10 +5734,14 @@
             </a:pPr>
             <a:r>
               <a:rPr lang="en-GB" sz="2000" b="0" dirty="0"/>
-              <a:t>** N</a:t>
-            </a:r>
-            <a:r>
-              <a:rPr lang="en-GB" sz="1600" b="0" i="0" dirty="0">
+              <a:t>** </a:t>
+            </a:r>
+            <a:r>
+              <a:rPr lang="en-GB" sz="2800" b="0" dirty="0"/>
+              <a:t>N</a:t>
+            </a:r>
+            <a:r>
+              <a:rPr lang="en-GB" sz="2000" b="0" i="0" dirty="0">
                 <a:solidFill>
                   <a:srgbClr val="222222"/>
                 </a:solidFill>
@@ -5758,7 +5846,19 @@
             </a:r>
             <a:r>
               <a:rPr lang="en-GB" dirty="0"/>
-              <a:t>describes a database-specific implementation of the data model. </a:t>
+              <a:t>describes a </a:t>
+            </a:r>
+            <a:r>
+              <a:rPr lang="en-GB" dirty="0">
+                <a:solidFill>
+                  <a:srgbClr val="FF0000"/>
+                </a:solidFill>
+              </a:rPr>
+              <a:t>database-specific implementation </a:t>
+            </a:r>
+            <a:r>
+              <a:rPr lang="en-GB" dirty="0"/>
+              <a:t>of the data model. </a:t>
             </a:r>
           </a:p>
           <a:p>
@@ -21127,7 +21227,7 @@
               </a14:hiddenLine>
             </a:ext>
             <a:ext uri="{FAA26D3D-D897-4be2-8F04-BA451C77F1D7}">
-              <ma14:placeholderFlag xmlns="" xmlns:ma14="http://schemas.microsoft.com/office/mac/drawingml/2011/main" val="1"/>
+              <ma14:placeholderFlag xmlns:ma14="http://schemas.microsoft.com/office/mac/drawingml/2011/main" xmlns="" val="1"/>
             </a:ext>
           </a:extLst>
         </p:spPr>
@@ -26092,7 +26192,13 @@
           <p:cNvGraphicFramePr>
             <a:graphicFrameLocks noGrp="1"/>
           </p:cNvGraphicFramePr>
-          <p:nvPr/>
+          <p:nvPr>
+            <p:extLst>
+              <p:ext uri="{D42A27DB-BD31-4B8C-83A1-F6EECF244321}">
+                <p14:modId xmlns:p14="http://schemas.microsoft.com/office/powerpoint/2010/main" val="602918990"/>
+              </p:ext>
+            </p:extLst>
+          </p:nvPr>
         </p:nvGraphicFramePr>
         <p:xfrm>
           <a:off x="1500166" y="1571612"/>
@@ -26836,7 +26942,7 @@
                           </a:solidFill>
                           <a:latin typeface="Calibri"/>
                         </a:rPr>
-                        <a:t>132,, West Side Street, LL5 8EL</a:t>
+                        <a:t>132, West Side Street, LL5 8EL</a:t>
                       </a:r>
                     </a:p>
                   </a:txBody>
@@ -26931,7 +27037,7 @@
               </a14:hiddenLine>
             </a:ext>
             <a:ext uri="{FAA26D3D-D897-4be2-8F04-BA451C77F1D7}">
-              <ma14:placeholderFlag xmlns="" xmlns:ma14="http://schemas.microsoft.com/office/mac/drawingml/2011/main" val="1"/>
+              <ma14:placeholderFlag xmlns:ma14="http://schemas.microsoft.com/office/mac/drawingml/2011/main" xmlns="" val="1"/>
             </a:ext>
           </a:extLst>
         </p:spPr>
@@ -30421,7 +30527,7 @@
               </a14:hiddenLine>
             </a:ext>
             <a:ext uri="{FAA26D3D-D897-4be2-8F04-BA451C77F1D7}">
-              <ma14:placeholderFlag xmlns="" xmlns:ma14="http://schemas.microsoft.com/office/mac/drawingml/2011/main" val="1"/>
+              <ma14:placeholderFlag xmlns:ma14="http://schemas.microsoft.com/office/mac/drawingml/2011/main" xmlns="" val="1"/>
             </a:ext>
           </a:extLst>
         </p:spPr>
@@ -33728,7 +33834,27 @@
                 <a:effectLst/>
                 <a:latin typeface="Source Sans Pro" panose="020B0503030403020204" pitchFamily="34" charset="0"/>
               </a:rPr>
-              <a:t> the system contains. This model is typically created by Business stakeholders and Data Architects. The purpose is to organize, scope and define business concepts and rules.</a:t>
+              <a:t> the system contains. This model is typically created by </a:t>
+            </a:r>
+            <a:r>
+              <a:rPr lang="en-GB" sz="2000" b="0" i="0" dirty="0">
+                <a:solidFill>
+                  <a:srgbClr val="00B050"/>
+                </a:solidFill>
+                <a:effectLst/>
+                <a:latin typeface="Source Sans Pro" panose="020B0503030403020204" pitchFamily="34" charset="0"/>
+              </a:rPr>
+              <a:t>Business stakeholders and Data Architects</a:t>
+            </a:r>
+            <a:r>
+              <a:rPr lang="en-GB" sz="2000" b="0" i="0" dirty="0">
+                <a:solidFill>
+                  <a:srgbClr val="002060"/>
+                </a:solidFill>
+                <a:effectLst/>
+                <a:latin typeface="Source Sans Pro" panose="020B0503030403020204" pitchFamily="34" charset="0"/>
+              </a:rPr>
+              <a:t>. The purpose is to organize, scope and define business concepts and rules.</a:t>
             </a:r>
           </a:p>
           <a:p>
